--- a/ADVANCED JAVA.pptx
+++ b/ADVANCED JAVA.pptx
@@ -4037,7 +4037,38 @@
         <p:txBody>
           <a:bodyPr/>
           <a:p>
-            <a:endParaRPr lang="en-US"/>
+            <a:r>
+              <a:rPr lang="en-IN" altLang="en-US" sz="1800"/>
+              <a:t>Polymorphism means many forms, this occurs when we have many classes that are related to each other by inheritance</a:t>
+            </a:r>
+            <a:endParaRPr lang="en-IN" altLang="en-US" sz="1800"/>
+          </a:p>
+          <a:p>
+            <a:r>
+              <a:rPr lang="en-IN" altLang="en-US" sz="1800"/>
+              <a:t>The super class will be inherited to the subclass and methods through inheritance</a:t>
+            </a:r>
+            <a:endParaRPr lang="en-IN" altLang="en-US" sz="1800"/>
+          </a:p>
+          <a:p>
+            <a:r>
+              <a:rPr lang="en-IN" altLang="en-US" sz="1800"/>
+              <a:t>Polymorphism uses the methods to perform different tasks</a:t>
+            </a:r>
+            <a:endParaRPr lang="en-IN" altLang="en-US" sz="1800"/>
+          </a:p>
+          <a:p>
+            <a:r>
+              <a:rPr lang="en-IN" altLang="en-US" sz="1800"/>
+              <a:t>This allows us to perform single action in many ways</a:t>
+            </a:r>
+            <a:endParaRPr lang="en-IN" altLang="en-US" sz="1800"/>
+          </a:p>
+          <a:p>
+            <a:pPr marL="0" indent="0">
+              <a:buNone/>
+            </a:pPr>
+            <a:endParaRPr lang="en-IN" altLang="en-US" sz="1800"/>
           </a:p>
         </p:txBody>
       </p:sp>

--- a/ADVANCED JAVA.pptx
+++ b/ADVANCED JAVA.pptx
@@ -10,6 +10,8 @@
     <p:sldId id="257" r:id="rId5"/>
     <p:sldId id="260" r:id="rId6"/>
     <p:sldId id="261" r:id="rId7"/>
+    <p:sldId id="262" r:id="rId8"/>
+    <p:sldId id="263" r:id="rId9"/>
   </p:sldIdLst>
   <p:sldSz cx="12192000" cy="6858000"/>
   <p:notesSz cx="6858000" cy="9144000"/>
@@ -3317,7 +3319,7 @@
         <p:spPr>
           <a:xfrm>
             <a:off x="1524000" y="2216150"/>
-            <a:ext cx="9144000" cy="3041650"/>
+            <a:ext cx="9144000" cy="4051935"/>
           </a:xfrm>
         </p:spPr>
         <p:txBody>
@@ -3354,6 +3356,17 @@
             <a:r>
               <a:rPr lang="en-IN" altLang="en-US"/>
               <a:t>Polymorphism</a:t>
+            </a:r>
+            <a:endParaRPr lang="en-IN" altLang="en-US"/>
+          </a:p>
+          <a:p>
+            <a:pPr marL="342900" indent="-342900" algn="l">
+              <a:buFont typeface="Arial" panose="020B0604020202020204" pitchFamily="34" charset="0"/>
+              <a:buChar char="•"/>
+            </a:pPr>
+            <a:r>
+              <a:rPr lang="en-IN" altLang="en-US"/>
+              <a:t>Typecasting</a:t>
             </a:r>
             <a:endParaRPr lang="en-IN" altLang="en-US"/>
           </a:p>
@@ -3952,6 +3965,22 @@
             </a:r>
             <a:endParaRPr lang="en-IN" altLang="en-US" sz="1800"/>
           </a:p>
+          <a:p>
+            <a:pPr marL="457200" lvl="1" indent="0">
+              <a:buNone/>
+            </a:pPr>
+            <a:r>
+              <a:rPr lang="en-IN" altLang="en-US" sz="1800" b="1"/>
+              <a:t>transient:</a:t>
+            </a:r>
+            <a:endParaRPr lang="en-IN" altLang="en-US" sz="1800" b="1"/>
+          </a:p>
+          <a:p>
+            <a:pPr marL="457200" lvl="1" indent="0">
+              <a:buNone/>
+            </a:pPr>
+            <a:endParaRPr lang="en-IN" altLang="en-US" sz="1800" b="1"/>
+          </a:p>
         </p:txBody>
       </p:sp>
     </p:spTree>
@@ -4046,6 +4075,13 @@
           <a:p>
             <a:r>
               <a:rPr lang="en-IN" altLang="en-US" sz="1800"/>
+              <a:t>This is the ability of the message to be displayed in more than one form</a:t>
+            </a:r>
+            <a:endParaRPr lang="en-IN" altLang="en-US" sz="1800"/>
+          </a:p>
+          <a:p>
+            <a:r>
+              <a:rPr lang="en-IN" altLang="en-US" sz="1800"/>
               <a:t>The super class will be inherited to the subclass and methods through inheritance</a:t>
             </a:r>
             <a:endParaRPr lang="en-IN" altLang="en-US" sz="1800"/>
@@ -4053,22 +4089,688 @@
           <a:p>
             <a:r>
               <a:rPr lang="en-IN" altLang="en-US" sz="1800"/>
-              <a:t>Polymorphism uses the methods to perform different tasks</a:t>
+              <a:t>Method overloading is also considered to be a polymorphism</a:t>
             </a:r>
             <a:endParaRPr lang="en-IN" altLang="en-US" sz="1800"/>
           </a:p>
           <a:p>
             <a:r>
               <a:rPr lang="en-IN" altLang="en-US" sz="1800"/>
-              <a:t>This allows us to perform single action in many ways</a:t>
+              <a:t>They are of 2 types</a:t>
             </a:r>
             <a:endParaRPr lang="en-IN" altLang="en-US" sz="1800"/>
           </a:p>
           <a:p>
+            <a:pPr lvl="1"/>
+            <a:r>
+              <a:rPr lang="en-IN" altLang="en-US" sz="1575"/>
+              <a:t>Compiletime polymorphism(Static polymorphism)</a:t>
+            </a:r>
+            <a:endParaRPr lang="en-IN" altLang="en-US" sz="1575"/>
+          </a:p>
+          <a:p>
+            <a:pPr lvl="2"/>
+            <a:r>
+              <a:rPr lang="en-IN" altLang="en-US" sz="1350"/>
+              <a:t>This is best explained by method overloading</a:t>
+            </a:r>
+            <a:endParaRPr lang="en-IN" altLang="en-US" sz="1350"/>
+          </a:p>
+          <a:p>
+            <a:pPr lvl="1"/>
+            <a:r>
+              <a:rPr lang="en-IN" altLang="en-US" sz="1575"/>
+              <a:t>Runtime polymorphism(Dynamic Method Dispatch)</a:t>
+            </a:r>
+            <a:endParaRPr lang="en-IN" altLang="en-US" sz="1575"/>
+          </a:p>
+          <a:p>
+            <a:pPr lvl="2"/>
+            <a:r>
+              <a:rPr lang="en-IN" altLang="en-US" sz="1350"/>
+              <a:t>This is best explained by method overriding</a:t>
+            </a:r>
+            <a:endParaRPr lang="en-IN" altLang="en-US" sz="1350"/>
+          </a:p>
+        </p:txBody>
+      </p:sp>
+    </p:spTree>
+  </p:cSld>
+  <p:clrMapOvr>
+    <a:masterClrMapping/>
+  </p:clrMapOvr>
+</p:sld>
+</file>
+
+<file path=ppt/slides/slide6.xml><?xml version="1.0" encoding="utf-8"?>
+<p:sld xmlns:a="http://schemas.openxmlformats.org/drawingml/2006/main" xmlns:r="http://schemas.openxmlformats.org/officeDocument/2006/relationships" xmlns:p="http://schemas.openxmlformats.org/presentationml/2006/main">
+  <p:cSld>
+    <p:spTree>
+      <p:nvGrpSpPr>
+        <p:cNvPr id="1" name=""/>
+        <p:cNvGrpSpPr/>
+        <p:nvPr/>
+      </p:nvGrpSpPr>
+      <p:grpSpPr/>
+      <p:sp>
+        <p:nvSpPr>
+          <p:cNvPr id="2" name="Title 1"/>
+          <p:cNvSpPr>
+            <a:spLocks noGrp="1"/>
+          </p:cNvSpPr>
+          <p:nvPr>
+            <p:ph type="title"/>
+          </p:nvPr>
+        </p:nvSpPr>
+        <p:spPr/>
+        <p:txBody>
+          <a:bodyPr/>
+          <a:p>
+            <a:pPr algn="ctr"/>
+            <a:r>
+              <a:rPr lang="en-IN" altLang="en-US">
+                <a:ln w="22225">
+                  <a:solidFill>
+                    <a:schemeClr val="accent2"/>
+                  </a:solidFill>
+                  <a:prstDash val="solid"/>
+                </a:ln>
+                <a:solidFill>
+                  <a:schemeClr val="accent2">
+                    <a:lumMod val="40000"/>
+                    <a:lumOff val="60000"/>
+                  </a:schemeClr>
+                </a:solidFill>
+                <a:effectLst/>
+              </a:rPr>
+              <a:t>Typecasting</a:t>
+            </a:r>
+            <a:endParaRPr lang="en-IN" altLang="en-US">
+              <a:ln w="22225">
+                <a:solidFill>
+                  <a:schemeClr val="accent2"/>
+                </a:solidFill>
+                <a:prstDash val="solid"/>
+              </a:ln>
+              <a:solidFill>
+                <a:schemeClr val="accent2">
+                  <a:lumMod val="40000"/>
+                  <a:lumOff val="60000"/>
+                </a:schemeClr>
+              </a:solidFill>
+              <a:effectLst/>
+            </a:endParaRPr>
+          </a:p>
+        </p:txBody>
+      </p:sp>
+      <p:sp>
+        <p:nvSpPr>
+          <p:cNvPr id="3" name="Content Placeholder 2"/>
+          <p:cNvSpPr>
+            <a:spLocks noGrp="1"/>
+          </p:cNvSpPr>
+          <p:nvPr>
+            <p:ph idx="1"/>
+          </p:nvPr>
+        </p:nvSpPr>
+        <p:spPr/>
+        <p:txBody>
+          <a:bodyPr/>
+          <a:p>
+            <a:r>
+              <a:rPr lang="en-IN" altLang="en-US" sz="1800"/>
+              <a:t>Typecasting is used to ensure whether the variables are correctly processed by a function or not.</a:t>
+            </a:r>
+            <a:endParaRPr lang="en-IN" altLang="en-US" sz="1800"/>
+          </a:p>
+          <a:p>
+            <a:r>
+              <a:rPr lang="en-IN" altLang="en-US" sz="1800"/>
+              <a:t>It is of 2 types</a:t>
+            </a:r>
+            <a:endParaRPr lang="en-IN" altLang="en-US" sz="1800"/>
+          </a:p>
+          <a:p>
             <a:pPr marL="0" indent="0">
               <a:buNone/>
             </a:pPr>
+            <a:r>
+              <a:rPr lang="en-IN" altLang="en-US" sz="1800"/>
+              <a:t>Upcasting:</a:t>
+            </a:r>
             <a:endParaRPr lang="en-IN" altLang="en-US" sz="1800"/>
+          </a:p>
+          <a:p>
+            <a:r>
+              <a:rPr lang="en-IN" altLang="en-US" sz="1540"/>
+              <a:t>In this we type cast child object to a child object</a:t>
+            </a:r>
+            <a:endParaRPr lang="en-IN" altLang="en-US" sz="1540"/>
+          </a:p>
+          <a:p>
+            <a:pPr marL="914400" lvl="2" indent="0">
+              <a:buNone/>
+            </a:pPr>
+            <a:r>
+              <a:rPr lang="en-IN" altLang="en-US" sz="1200"/>
+              <a:t>Eg; public class parent{</a:t>
+            </a:r>
+            <a:endParaRPr lang="en-IN" altLang="en-US" sz="1200"/>
+          </a:p>
+          <a:p>
+            <a:pPr marL="914400" lvl="2" indent="0">
+              <a:buNone/>
+            </a:pPr>
+            <a:r>
+              <a:rPr lang="en-IN" altLang="en-US" sz="1200"/>
+              <a:t>	public void print(){</a:t>
+            </a:r>
+            <a:br>
+              <a:rPr lang="en-IN" altLang="en-US" sz="1200"/>
+            </a:br>
+            <a:r>
+              <a:rPr lang="en-IN" altLang="en-US" sz="1200"/>
+              <a:t>		system.out.println(“parent class method”);</a:t>
+            </a:r>
+            <a:endParaRPr lang="en-IN" altLang="en-US" sz="1200"/>
+          </a:p>
+          <a:p>
+            <a:pPr marL="914400" lvl="2" indent="0">
+              <a:buNone/>
+            </a:pPr>
+            <a:r>
+              <a:rPr lang="en-IN" altLang="en-US" sz="1200"/>
+              <a:t>}</a:t>
+            </a:r>
+            <a:endParaRPr lang="en-IN" altLang="en-US" sz="1200"/>
+          </a:p>
+          <a:p>
+            <a:pPr marL="914400" lvl="2" indent="0">
+              <a:buNone/>
+            </a:pPr>
+            <a:r>
+              <a:rPr lang="en-IN" altLang="en-US" sz="1200">
+                <a:sym typeface="+mn-ea"/>
+              </a:rPr>
+              <a:t>public class child extends parent{</a:t>
+            </a:r>
+            <a:endParaRPr lang="en-IN" altLang="en-US" sz="1200"/>
+          </a:p>
+          <a:p>
+            <a:pPr marL="914400" lvl="2" indent="0">
+              <a:buNone/>
+            </a:pPr>
+            <a:r>
+              <a:rPr lang="en-IN" altLang="en-US" sz="1200">
+                <a:sym typeface="+mn-ea"/>
+              </a:rPr>
+              <a:t>	public void print(){</a:t>
+            </a:r>
+            <a:br>
+              <a:rPr lang="en-IN" altLang="en-US" sz="1200">
+                <a:sym typeface="+mn-ea"/>
+              </a:rPr>
+            </a:br>
+            <a:r>
+              <a:rPr lang="en-IN" altLang="en-US" sz="1200">
+                <a:sym typeface="+mn-ea"/>
+              </a:rPr>
+              <a:t>		system.out.println(“child class method”);</a:t>
+            </a:r>
+            <a:endParaRPr lang="en-IN" altLang="en-US" sz="1200"/>
+          </a:p>
+          <a:p>
+            <a:pPr marL="914400" lvl="2" indent="0">
+              <a:buNone/>
+            </a:pPr>
+            <a:r>
+              <a:rPr lang="en-IN" altLang="en-US" sz="1200"/>
+              <a:t>}</a:t>
+            </a:r>
+            <a:endParaRPr lang="en-IN" altLang="en-US" sz="1200"/>
+          </a:p>
+          <a:p>
+            <a:pPr marL="914400" lvl="2" indent="0">
+              <a:buNone/>
+            </a:pPr>
+            <a:r>
+              <a:rPr lang="en-IN" altLang="en-US" sz="1200"/>
+              <a:t>class downcasting {</a:t>
+            </a:r>
+            <a:endParaRPr lang="en-IN" altLang="en-US" sz="1200"/>
+          </a:p>
+          <a:p>
+            <a:pPr marL="914400" lvl="2" indent="0">
+              <a:buNone/>
+            </a:pPr>
+            <a:r>
+              <a:rPr lang="en-IN" altLang="en-US" sz="1200"/>
+              <a:t>	 public static void main(String args[]) {</a:t>
+            </a:r>
+            <a:endParaRPr lang="en-IN" altLang="en-US" sz="1200"/>
+          </a:p>
+          <a:p>
+            <a:pPr marL="914400" lvl="2" indent="0">
+              <a:buNone/>
+            </a:pPr>
+            <a:r>
+              <a:rPr lang="en-IN" altLang="en-US" sz="1200"/>
+              <a:t>		parent p=(parent) new child();</a:t>
+            </a:r>
+            <a:endParaRPr lang="en-IN" altLang="en-US" sz="1200"/>
+          </a:p>
+          <a:p>
+            <a:pPr marL="914400" lvl="2" indent="0">
+              <a:buNone/>
+            </a:pPr>
+            <a:r>
+              <a:rPr lang="en-IN" altLang="en-US" sz="1200"/>
+              <a:t>		p.print();</a:t>
+            </a:r>
+            <a:endParaRPr lang="en-IN" altLang="en-US" sz="1200"/>
+          </a:p>
+          <a:p>
+            <a:pPr marL="914400" lvl="2" indent="0">
+              <a:buNone/>
+            </a:pPr>
+            <a:r>
+              <a:rPr lang="en-IN" altLang="en-US" sz="1200"/>
+              <a:t>}</a:t>
+            </a:r>
+            <a:endParaRPr lang="en-IN" altLang="en-US" sz="1200"/>
+          </a:p>
+          <a:p>
+            <a:pPr marL="914400" lvl="2" indent="0">
+              <a:buNone/>
+            </a:pPr>
+            <a:r>
+              <a:rPr lang="en-IN" altLang="en-US" sz="1200"/>
+              <a:t>}</a:t>
+            </a:r>
+            <a:endParaRPr lang="en-IN" altLang="en-US" sz="1200"/>
+          </a:p>
+        </p:txBody>
+      </p:sp>
+    </p:spTree>
+  </p:cSld>
+  <p:clrMapOvr>
+    <a:masterClrMapping/>
+  </p:clrMapOvr>
+</p:sld>
+</file>
+
+<file path=ppt/slides/slide7.xml><?xml version="1.0" encoding="utf-8"?>
+<p:sld xmlns:a="http://schemas.openxmlformats.org/drawingml/2006/main" xmlns:r="http://schemas.openxmlformats.org/officeDocument/2006/relationships" xmlns:p="http://schemas.openxmlformats.org/presentationml/2006/main">
+  <p:cSld>
+    <p:spTree>
+      <p:nvGrpSpPr>
+        <p:cNvPr id="1" name=""/>
+        <p:cNvGrpSpPr/>
+        <p:nvPr/>
+      </p:nvGrpSpPr>
+      <p:grpSpPr/>
+      <p:sp>
+        <p:nvSpPr>
+          <p:cNvPr id="2" name="Title 1"/>
+          <p:cNvSpPr>
+            <a:spLocks noGrp="1"/>
+          </p:cNvSpPr>
+          <p:nvPr>
+            <p:ph type="title"/>
+          </p:nvPr>
+        </p:nvSpPr>
+        <p:spPr/>
+        <p:txBody>
+          <a:bodyPr/>
+          <a:p>
+            <a:pPr algn="ctr"/>
+            <a:r>
+              <a:rPr lang="en-IN" altLang="en-US">
+                <a:ln w="22225">
+                  <a:solidFill>
+                    <a:schemeClr val="accent2"/>
+                  </a:solidFill>
+                  <a:prstDash val="solid"/>
+                </a:ln>
+                <a:solidFill>
+                  <a:schemeClr val="accent2">
+                    <a:lumMod val="40000"/>
+                    <a:lumOff val="60000"/>
+                  </a:schemeClr>
+                </a:solidFill>
+                <a:effectLst/>
+              </a:rPr>
+              <a:t>Typecasting</a:t>
+            </a:r>
+            <a:endParaRPr lang="en-IN" altLang="en-US">
+              <a:ln w="22225">
+                <a:solidFill>
+                  <a:schemeClr val="accent2"/>
+                </a:solidFill>
+                <a:prstDash val="solid"/>
+              </a:ln>
+              <a:solidFill>
+                <a:schemeClr val="accent2">
+                  <a:lumMod val="40000"/>
+                  <a:lumOff val="60000"/>
+                </a:schemeClr>
+              </a:solidFill>
+              <a:effectLst/>
+            </a:endParaRPr>
+          </a:p>
+        </p:txBody>
+      </p:sp>
+      <p:sp>
+        <p:nvSpPr>
+          <p:cNvPr id="3" name="Content Placeholder 2"/>
+          <p:cNvSpPr>
+            <a:spLocks noGrp="1"/>
+          </p:cNvSpPr>
+          <p:nvPr>
+            <p:ph idx="1"/>
+          </p:nvPr>
+        </p:nvSpPr>
+        <p:spPr>
+          <a:xfrm>
+            <a:off x="609600" y="1174750"/>
+            <a:ext cx="10972800" cy="5345430"/>
+          </a:xfrm>
+        </p:spPr>
+        <p:txBody>
+          <a:bodyPr/>
+          <a:p>
+            <a:pPr marL="0" indent="0">
+              <a:buNone/>
+            </a:pPr>
+            <a:r>
+              <a:rPr lang="en-IN" altLang="en-US" sz="1800">
+                <a:sym typeface="+mn-ea"/>
+              </a:rPr>
+              <a:t>Downcasting:</a:t>
+            </a:r>
+            <a:endParaRPr lang="en-IN" altLang="en-US" sz="1800"/>
+          </a:p>
+          <a:p>
+            <a:r>
+              <a:rPr lang="en-IN" altLang="en-US" sz="1400">
+                <a:sym typeface="+mn-ea"/>
+              </a:rPr>
+              <a:t>In this we type cast parent object to a parent object</a:t>
+            </a:r>
+            <a:endParaRPr lang="en-IN" altLang="en-US" sz="1400"/>
+          </a:p>
+          <a:p>
+            <a:pPr marL="914400" lvl="2" indent="0">
+              <a:buNone/>
+            </a:pPr>
+            <a:r>
+              <a:rPr lang="en-IN" altLang="en-US" sz="1200">
+                <a:sym typeface="+mn-ea"/>
+              </a:rPr>
+              <a:t>Eg; public class parent{</a:t>
+            </a:r>
+            <a:endParaRPr lang="en-IN" altLang="en-US" sz="1200">
+              <a:sym typeface="+mn-ea"/>
+            </a:endParaRPr>
+          </a:p>
+          <a:p>
+            <a:pPr marL="914400" lvl="2" indent="0">
+              <a:buNone/>
+            </a:pPr>
+            <a:r>
+              <a:rPr lang="en-IN" altLang="en-US" sz="1200">
+                <a:sym typeface="+mn-ea"/>
+              </a:rPr>
+              <a:t>String name;</a:t>
+            </a:r>
+            <a:endParaRPr lang="en-IN" altLang="en-US" sz="1200">
+              <a:sym typeface="+mn-ea"/>
+            </a:endParaRPr>
+          </a:p>
+          <a:p>
+            <a:pPr marL="914400" lvl="2" indent="0">
+              <a:buNone/>
+            </a:pPr>
+            <a:r>
+              <a:rPr lang="en-IN" altLang="en-US" sz="1200">
+                <a:sym typeface="+mn-ea"/>
+              </a:rPr>
+              <a:t>	public void print(){</a:t>
+            </a:r>
+            <a:br>
+              <a:rPr lang="en-IN" altLang="en-US" sz="1200">
+                <a:sym typeface="+mn-ea"/>
+              </a:rPr>
+            </a:br>
+            <a:r>
+              <a:rPr lang="en-IN" altLang="en-US" sz="1200">
+                <a:sym typeface="+mn-ea"/>
+              </a:rPr>
+              <a:t>		system.out.println(“parent class method”);</a:t>
+            </a:r>
+            <a:endParaRPr lang="en-IN" altLang="en-US" sz="1200"/>
+          </a:p>
+          <a:p>
+            <a:pPr marL="914400" lvl="2" indent="0">
+              <a:buNone/>
+            </a:pPr>
+            <a:r>
+              <a:rPr lang="en-IN" altLang="en-US" sz="1200">
+                <a:sym typeface="+mn-ea"/>
+              </a:rPr>
+              <a:t>}</a:t>
+            </a:r>
+            <a:endParaRPr lang="en-IN" altLang="en-US" sz="1200"/>
+          </a:p>
+          <a:p>
+            <a:pPr marL="914400" lvl="2" indent="0">
+              <a:buNone/>
+            </a:pPr>
+            <a:r>
+              <a:rPr lang="en-IN" altLang="en-US" sz="1200">
+                <a:sym typeface="+mn-ea"/>
+              </a:rPr>
+              <a:t>public class child extends parent{</a:t>
+            </a:r>
+            <a:endParaRPr lang="en-IN" altLang="en-US" sz="1200">
+              <a:sym typeface="+mn-ea"/>
+            </a:endParaRPr>
+          </a:p>
+          <a:p>
+            <a:pPr marL="914400" lvl="2" indent="0">
+              <a:buNone/>
+            </a:pPr>
+            <a:r>
+              <a:rPr lang="en-IN" altLang="en-US" sz="1200">
+                <a:sym typeface="+mn-ea"/>
+              </a:rPr>
+              <a:t>int age;</a:t>
+            </a:r>
+            <a:endParaRPr lang="en-IN" altLang="en-US" sz="1200"/>
+          </a:p>
+          <a:p>
+            <a:pPr marL="914400" lvl="2" indent="0">
+              <a:buNone/>
+            </a:pPr>
+            <a:r>
+              <a:rPr lang="en-IN" altLang="en-US" sz="1200">
+                <a:sym typeface="+mn-ea"/>
+              </a:rPr>
+              <a:t>	public void print(){</a:t>
+            </a:r>
+            <a:br>
+              <a:rPr lang="en-IN" altLang="en-US" sz="1200">
+                <a:sym typeface="+mn-ea"/>
+              </a:rPr>
+            </a:br>
+            <a:r>
+              <a:rPr lang="en-IN" altLang="en-US" sz="1200">
+                <a:sym typeface="+mn-ea"/>
+              </a:rPr>
+              <a:t>		system.out.println(“child class method”);</a:t>
+            </a:r>
+            <a:endParaRPr lang="en-IN" altLang="en-US" sz="1200"/>
+          </a:p>
+          <a:p>
+            <a:pPr marL="914400" lvl="2" indent="0">
+              <a:buNone/>
+            </a:pPr>
+            <a:r>
+              <a:rPr lang="en-IN" altLang="en-US" sz="1200">
+                <a:sym typeface="+mn-ea"/>
+              </a:rPr>
+              <a:t>}</a:t>
+            </a:r>
+            <a:endParaRPr lang="en-IN" altLang="en-US" sz="1200"/>
+          </a:p>
+          <a:p>
+            <a:pPr marL="914400" lvl="2" indent="0">
+              <a:buNone/>
+            </a:pPr>
+            <a:r>
+              <a:rPr lang="en-IN" altLang="en-US" sz="1200">
+                <a:sym typeface="+mn-ea"/>
+              </a:rPr>
+              <a:t>class downcasting {</a:t>
+            </a:r>
+            <a:endParaRPr lang="en-IN" altLang="en-US" sz="1200"/>
+          </a:p>
+          <a:p>
+            <a:pPr marL="914400" lvl="2" indent="0">
+              <a:buNone/>
+            </a:pPr>
+            <a:r>
+              <a:rPr lang="en-IN" altLang="en-US" sz="1200">
+                <a:sym typeface="+mn-ea"/>
+              </a:rPr>
+              <a:t>	 public static void main(String args[]) {</a:t>
+            </a:r>
+            <a:endParaRPr lang="en-IN" altLang="en-US" sz="1200"/>
+          </a:p>
+          <a:p>
+            <a:pPr marL="914400" lvl="2" indent="0">
+              <a:buNone/>
+            </a:pPr>
+            <a:r>
+              <a:rPr lang="en-IN" altLang="en-US" sz="1200">
+                <a:sym typeface="+mn-ea"/>
+              </a:rPr>
+              <a:t>		parent p= new child();</a:t>
+            </a:r>
+            <a:endParaRPr lang="en-IN" altLang="en-US" sz="1200">
+              <a:sym typeface="+mn-ea"/>
+            </a:endParaRPr>
+          </a:p>
+          <a:p>
+            <a:pPr marL="914400" lvl="2" indent="0">
+              <a:buNone/>
+            </a:pPr>
+            <a:r>
+              <a:rPr lang="en-IN" altLang="en-US" sz="1200">
+                <a:sym typeface="+mn-ea"/>
+              </a:rPr>
+              <a:t>		p.name=”parent”;</a:t>
+            </a:r>
+            <a:endParaRPr lang="en-IN" altLang="en-US" sz="1200">
+              <a:sym typeface="+mn-ea"/>
+            </a:endParaRPr>
+          </a:p>
+          <a:p>
+            <a:pPr marL="914400" lvl="2" indent="0">
+              <a:buNone/>
+            </a:pPr>
+            <a:r>
+              <a:rPr lang="en-IN" altLang="en-US" sz="1200">
+                <a:sym typeface="+mn-ea"/>
+              </a:rPr>
+              <a:t>		child c=(child)p;</a:t>
+            </a:r>
+            <a:endParaRPr lang="en-IN" altLang="en-US" sz="1200">
+              <a:sym typeface="+mn-ea"/>
+            </a:endParaRPr>
+          </a:p>
+          <a:p>
+            <a:pPr marL="914400" lvl="2" indent="0">
+              <a:buNone/>
+            </a:pPr>
+            <a:r>
+              <a:rPr lang="en-IN" altLang="en-US" sz="1200">
+                <a:sym typeface="+mn-ea"/>
+              </a:rPr>
+              <a:t>		c.age=20;</a:t>
+            </a:r>
+            <a:endParaRPr lang="en-IN" altLang="en-US" sz="1200">
+              <a:sym typeface="+mn-ea"/>
+            </a:endParaRPr>
+          </a:p>
+          <a:p>
+            <a:pPr marL="0" lvl="2" indent="0">
+              <a:buNone/>
+            </a:pPr>
+            <a:r>
+              <a:rPr lang="en-IN" altLang="en-US" sz="1200"/>
+              <a:t>			</a:t>
+            </a:r>
+            <a:r>
+              <a:rPr lang="en-IN" altLang="en-US" sz="1200">
+                <a:sym typeface="+mn-ea"/>
+              </a:rPr>
+              <a:t>system.out.println(c.name);</a:t>
+            </a:r>
+            <a:endParaRPr lang="en-IN" altLang="en-US" sz="1200">
+              <a:sym typeface="+mn-ea"/>
+            </a:endParaRPr>
+          </a:p>
+          <a:p>
+            <a:pPr marL="0" lvl="2" indent="0">
+              <a:buNone/>
+            </a:pPr>
+            <a:r>
+              <a:rPr lang="en-IN" altLang="en-US" sz="1200">
+                <a:sym typeface="+mn-ea"/>
+              </a:rPr>
+              <a:t>			system.out.println(c.age);</a:t>
+            </a:r>
+            <a:endParaRPr lang="en-IN" altLang="en-US" sz="1200"/>
+          </a:p>
+          <a:p>
+            <a:pPr marL="914400" lvl="2" indent="0">
+              <a:buNone/>
+            </a:pPr>
+            <a:r>
+              <a:rPr lang="en-IN" altLang="en-US" sz="1200">
+                <a:sym typeface="+mn-ea"/>
+              </a:rPr>
+              <a:t>		c.print();</a:t>
+            </a:r>
+            <a:endParaRPr lang="en-IN" altLang="en-US" sz="1200"/>
+          </a:p>
+          <a:p>
+            <a:pPr marL="914400" lvl="2" indent="0">
+              <a:buNone/>
+            </a:pPr>
+            <a:r>
+              <a:rPr lang="en-IN" altLang="en-US" sz="1200">
+                <a:sym typeface="+mn-ea"/>
+              </a:rPr>
+              <a:t>}</a:t>
+            </a:r>
+            <a:endParaRPr lang="en-IN" altLang="en-US" sz="1200"/>
+          </a:p>
+          <a:p>
+            <a:pPr marL="914400" lvl="2" indent="0">
+              <a:buNone/>
+            </a:pPr>
+            <a:r>
+              <a:rPr lang="en-IN" altLang="en-US" sz="1200">
+                <a:sym typeface="+mn-ea"/>
+              </a:rPr>
+              <a:t>}</a:t>
+            </a:r>
+            <a:endParaRPr lang="en-IN" altLang="en-US" sz="1200"/>
+          </a:p>
+          <a:p>
+            <a:endParaRPr lang="en-US" sz="1200"/>
           </a:p>
         </p:txBody>
       </p:sp>

--- a/ADVANCED JAVA.pptx
+++ b/ADVANCED JAVA.pptx
@@ -12,6 +12,9 @@
     <p:sldId id="261" r:id="rId7"/>
     <p:sldId id="262" r:id="rId8"/>
     <p:sldId id="263" r:id="rId9"/>
+    <p:sldId id="266" r:id="rId10"/>
+    <p:sldId id="267" r:id="rId11"/>
+    <p:sldId id="268" r:id="rId12"/>
   </p:sldIdLst>
   <p:sldSz cx="12192000" cy="6858000"/>
   <p:notesSz cx="6858000" cy="9144000"/>
@@ -3381,16 +3384,179 @@
             </a:r>
             <a:endParaRPr lang="en-IN" altLang="en-US"/>
           </a:p>
-          <a:p>
-            <a:pPr marL="342900" indent="-342900" algn="l">
-              <a:buFont typeface="Arial" panose="020B0604020202020204" pitchFamily="34" charset="0"/>
-              <a:buChar char="•"/>
-            </a:pPr>
-            <a:r>
-              <a:rPr lang="en-IN" altLang="en-US"/>
-              <a:t>Collections</a:t>
-            </a:r>
-            <a:endParaRPr lang="en-IN" altLang="en-US"/>
+        </p:txBody>
+      </p:sp>
+    </p:spTree>
+  </p:cSld>
+  <p:clrMapOvr>
+    <a:masterClrMapping/>
+  </p:clrMapOvr>
+</p:sld>
+</file>
+
+<file path=ppt/slides/slide10.xml><?xml version="1.0" encoding="utf-8"?>
+<p:sld xmlns:a="http://schemas.openxmlformats.org/drawingml/2006/main" xmlns:r="http://schemas.openxmlformats.org/officeDocument/2006/relationships" xmlns:p="http://schemas.openxmlformats.org/presentationml/2006/main">
+  <p:cSld>
+    <p:spTree>
+      <p:nvGrpSpPr>
+        <p:cNvPr id="1" name=""/>
+        <p:cNvGrpSpPr/>
+        <p:nvPr/>
+      </p:nvGrpSpPr>
+      <p:grpSpPr/>
+      <p:sp>
+        <p:nvSpPr>
+          <p:cNvPr id="2" name="Title 1"/>
+          <p:cNvSpPr>
+            <a:spLocks noGrp="1"/>
+          </p:cNvSpPr>
+          <p:nvPr>
+            <p:ph type="title"/>
+          </p:nvPr>
+        </p:nvSpPr>
+        <p:spPr/>
+        <p:txBody>
+          <a:bodyPr/>
+          <a:p>
+            <a:pPr algn="ctr"/>
+            <a:r>
+              <a:rPr lang="en-IN" altLang="en-US">
+                <a:ln w="22225">
+                  <a:solidFill>
+                    <a:schemeClr val="accent2"/>
+                  </a:solidFill>
+                  <a:prstDash val="solid"/>
+                </a:ln>
+                <a:solidFill>
+                  <a:schemeClr val="accent2">
+                    <a:lumMod val="40000"/>
+                    <a:lumOff val="60000"/>
+                  </a:schemeClr>
+                </a:solidFill>
+                <a:effectLst/>
+              </a:rPr>
+              <a:t>Keywords to handle exceptions</a:t>
+            </a:r>
+            <a:endParaRPr lang="en-IN" altLang="en-US">
+              <a:ln w="22225">
+                <a:solidFill>
+                  <a:schemeClr val="accent2"/>
+                </a:solidFill>
+                <a:prstDash val="solid"/>
+              </a:ln>
+              <a:solidFill>
+                <a:schemeClr val="accent2">
+                  <a:lumMod val="40000"/>
+                  <a:lumOff val="60000"/>
+                </a:schemeClr>
+              </a:solidFill>
+              <a:effectLst/>
+            </a:endParaRPr>
+          </a:p>
+        </p:txBody>
+      </p:sp>
+      <p:sp>
+        <p:nvSpPr>
+          <p:cNvPr id="3" name="Content Placeholder 2"/>
+          <p:cNvSpPr>
+            <a:spLocks noGrp="1"/>
+          </p:cNvSpPr>
+          <p:nvPr>
+            <p:ph idx="1"/>
+          </p:nvPr>
+        </p:nvSpPr>
+        <p:spPr>
+          <a:xfrm>
+            <a:off x="609600" y="1174750"/>
+            <a:ext cx="11108055" cy="4953000"/>
+          </a:xfrm>
+        </p:spPr>
+        <p:txBody>
+          <a:bodyPr/>
+          <a:p>
+            <a:r>
+              <a:rPr lang="en-IN" altLang="en-US" sz="1800" b="1"/>
+              <a:t>try: </a:t>
+            </a:r>
+            <a:endParaRPr lang="en-IN" altLang="en-US" sz="1800" b="1"/>
+          </a:p>
+          <a:p>
+            <a:pPr marL="0" indent="0">
+              <a:buNone/>
+            </a:pPr>
+            <a:r>
+              <a:rPr lang="en-IN" altLang="en-US" sz="1800"/>
+              <a:t>The "try" keyword is used to specify a block where we should place an exception code. It means 	we can't use try block alone. The try block must be followed by either catch or finally.</a:t>
+            </a:r>
+            <a:endParaRPr lang="en-IN" altLang="en-US" sz="1800"/>
+          </a:p>
+          <a:p>
+            <a:r>
+              <a:rPr lang="en-IN" altLang="en-US" sz="1800" b="1"/>
+              <a:t>catch:</a:t>
+            </a:r>
+            <a:endParaRPr lang="en-IN" altLang="en-US" sz="1800" b="1"/>
+          </a:p>
+          <a:p>
+            <a:pPr marL="0" indent="0">
+              <a:buNone/>
+            </a:pPr>
+            <a:r>
+              <a:rPr lang="en-IN" altLang="en-US" sz="1800"/>
+              <a:t>The "catch" block is used to handle the exception. It must be preceded by try block which means we can't use catch block alone. It can be followed by finally block later.</a:t>
+            </a:r>
+            <a:endParaRPr lang="en-IN" altLang="en-US" sz="1800"/>
+          </a:p>
+          <a:p>
+            <a:r>
+              <a:rPr lang="en-IN" altLang="en-US" sz="1800" b="1"/>
+              <a:t>finally:</a:t>
+            </a:r>
+            <a:endParaRPr lang="en-IN" altLang="en-US" sz="1800" b="1"/>
+          </a:p>
+          <a:p>
+            <a:pPr>
+              <a:buNone/>
+            </a:pPr>
+            <a:r>
+              <a:rPr lang="en-IN" altLang="en-US" sz="1800"/>
+              <a:t>	The "finally" block is used to execute the necessary code of the program. It is executed whether an exception is handled or not.</a:t>
+            </a:r>
+            <a:endParaRPr lang="en-IN" altLang="en-US" sz="1800"/>
+          </a:p>
+          <a:p>
+            <a:r>
+              <a:rPr lang="en-IN" altLang="en-US" sz="1800" b="1"/>
+              <a:t>throw:</a:t>
+            </a:r>
+            <a:endParaRPr lang="en-IN" altLang="en-US" sz="1800" b="1"/>
+          </a:p>
+          <a:p>
+            <a:pPr>
+              <a:buNone/>
+            </a:pPr>
+            <a:r>
+              <a:rPr lang="en-IN" altLang="en-US" sz="1800"/>
+              <a:t>The "throw" keyword is used to throw an exception.</a:t>
+            </a:r>
+            <a:endParaRPr lang="en-IN" altLang="en-US" sz="1800"/>
+          </a:p>
+          <a:p>
+            <a:r>
+              <a:rPr lang="en-IN" altLang="en-US" sz="1800" b="1"/>
+              <a:t>throws:</a:t>
+            </a:r>
+            <a:endParaRPr lang="en-IN" altLang="en-US" sz="1800" b="1"/>
+          </a:p>
+          <a:p>
+            <a:pPr marL="0" indent="0">
+              <a:buNone/>
+            </a:pPr>
+            <a:r>
+              <a:rPr lang="en-IN" altLang="en-US" sz="1800"/>
+              <a:t>The "throws" keyword is used to declare exceptions. It specifies that there may occur an exception in the method. It doesn't throw an exception. It is always used with method signature.</a:t>
+            </a:r>
+            <a:endParaRPr lang="en-IN" altLang="en-US" sz="1800"/>
           </a:p>
         </p:txBody>
       </p:sp>
@@ -4132,6 +4298,18 @@
             </a:r>
             <a:endParaRPr lang="en-IN" altLang="en-US" sz="1350"/>
           </a:p>
+          <a:p>
+            <a:pPr lvl="2"/>
+            <a:r>
+              <a:rPr lang="en-IN" altLang="en-US" sz="1350"/>
+              <a:t>Overridden method is called through reference variable of superclass</a:t>
+            </a:r>
+            <a:endParaRPr lang="en-IN" altLang="en-US" sz="1350"/>
+          </a:p>
+          <a:p>
+            <a:pPr lvl="2"/>
+            <a:endParaRPr lang="en-IN" altLang="en-US" sz="1350"/>
+          </a:p>
         </p:txBody>
       </p:sp>
     </p:spTree>
@@ -4213,7 +4391,12 @@
             <p:ph idx="1"/>
           </p:nvPr>
         </p:nvSpPr>
-        <p:spPr/>
+        <p:spPr>
+          <a:xfrm>
+            <a:off x="609600" y="1174750"/>
+            <a:ext cx="10972800" cy="4953000"/>
+          </a:xfrm>
+        </p:spPr>
         <p:txBody>
           <a:bodyPr/>
           <a:p>
@@ -4774,6 +4957,312 @@
           </a:p>
         </p:txBody>
       </p:sp>
+    </p:spTree>
+  </p:cSld>
+  <p:clrMapOvr>
+    <a:masterClrMapping/>
+  </p:clrMapOvr>
+</p:sld>
+</file>
+
+<file path=ppt/slides/slide8.xml><?xml version="1.0" encoding="utf-8"?>
+<p:sld xmlns:a="http://schemas.openxmlformats.org/drawingml/2006/main" xmlns:r="http://schemas.openxmlformats.org/officeDocument/2006/relationships" xmlns:p="http://schemas.openxmlformats.org/presentationml/2006/main">
+  <p:cSld>
+    <p:spTree>
+      <p:nvGrpSpPr>
+        <p:cNvPr id="1" name=""/>
+        <p:cNvGrpSpPr/>
+        <p:nvPr/>
+      </p:nvGrpSpPr>
+      <p:grpSpPr/>
+      <p:sp>
+        <p:nvSpPr>
+          <p:cNvPr id="2" name="Title 1"/>
+          <p:cNvSpPr>
+            <a:spLocks noGrp="1"/>
+          </p:cNvSpPr>
+          <p:nvPr>
+            <p:ph type="title"/>
+          </p:nvPr>
+        </p:nvSpPr>
+        <p:spPr/>
+        <p:txBody>
+          <a:bodyPr/>
+          <a:p>
+            <a:pPr algn="ctr"/>
+            <a:r>
+              <a:rPr lang="en-IN" altLang="en-US">
+                <a:ln w="22225">
+                  <a:solidFill>
+                    <a:schemeClr val="accent2"/>
+                  </a:solidFill>
+                  <a:prstDash val="solid"/>
+                </a:ln>
+                <a:solidFill>
+                  <a:schemeClr val="accent2">
+                    <a:lumMod val="40000"/>
+                    <a:lumOff val="60000"/>
+                  </a:schemeClr>
+                </a:solidFill>
+                <a:effectLst/>
+              </a:rPr>
+              <a:t>Exception handling</a:t>
+            </a:r>
+            <a:endParaRPr lang="en-IN" altLang="en-US">
+              <a:ln w="22225">
+                <a:solidFill>
+                  <a:schemeClr val="accent2"/>
+                </a:solidFill>
+                <a:prstDash val="solid"/>
+              </a:ln>
+              <a:solidFill>
+                <a:schemeClr val="accent2">
+                  <a:lumMod val="40000"/>
+                  <a:lumOff val="60000"/>
+                </a:schemeClr>
+              </a:solidFill>
+              <a:effectLst/>
+            </a:endParaRPr>
+          </a:p>
+        </p:txBody>
+      </p:sp>
+      <p:sp>
+        <p:nvSpPr>
+          <p:cNvPr id="3" name="Content Placeholder 2"/>
+          <p:cNvSpPr>
+            <a:spLocks noGrp="1"/>
+          </p:cNvSpPr>
+          <p:nvPr>
+            <p:ph idx="1"/>
+          </p:nvPr>
+        </p:nvSpPr>
+        <p:spPr>
+          <a:xfrm>
+            <a:off x="609600" y="1219835"/>
+            <a:ext cx="10972800" cy="5345430"/>
+          </a:xfrm>
+        </p:spPr>
+        <p:txBody>
+          <a:bodyPr/>
+          <a:p>
+            <a:r>
+              <a:rPr lang="en-IN" altLang="en-US" sz="1800"/>
+              <a:t>Exceptions are some unexpected or eroneous conditions</a:t>
+            </a:r>
+            <a:endParaRPr lang="en-IN" altLang="en-US" sz="1800"/>
+          </a:p>
+          <a:p>
+            <a:r>
+              <a:rPr lang="en-IN" altLang="en-US" sz="1800"/>
+              <a:t>The mechanisms used to handle these conditions are conditions are known as exception handling</a:t>
+            </a:r>
+            <a:endParaRPr lang="en-IN" altLang="en-US" sz="1800"/>
+          </a:p>
+          <a:p>
+            <a:r>
+              <a:rPr lang="en-IN" altLang="en-US" sz="1800"/>
+              <a:t>We will use this mainly to maintain the normal flow of the program</a:t>
+            </a:r>
+            <a:endParaRPr lang="en-IN" altLang="en-US" sz="1800"/>
+          </a:p>
+          <a:p>
+            <a:r>
+              <a:rPr lang="en-IN" altLang="en-US" sz="1800"/>
+              <a:t>Major exceptions are ClassNotFoundException, IOException, SQLException, RemoteException, etc.</a:t>
+            </a:r>
+            <a:endParaRPr lang="en-IN" altLang="en-US" sz="1800"/>
+          </a:p>
+          <a:p>
+            <a:r>
+              <a:rPr lang="en-IN" altLang="en-US" sz="1800"/>
+              <a:t>Types of exceptions are Checked Exception, Unchecked Exception and Error</a:t>
+            </a:r>
+            <a:endParaRPr lang="en-IN" altLang="en-US" sz="1800"/>
+          </a:p>
+          <a:p>
+            <a:pPr marL="0" indent="0">
+              <a:buNone/>
+            </a:pPr>
+            <a:r>
+              <a:rPr lang="en-IN" altLang="en-US" sz="1800" b="1"/>
+              <a:t> Checked Exception:</a:t>
+            </a:r>
+            <a:endParaRPr lang="en-IN" altLang="en-US" sz="1800" b="1"/>
+          </a:p>
+          <a:p>
+            <a:pPr marL="0" indent="0">
+              <a:buNone/>
+            </a:pPr>
+            <a:r>
+              <a:rPr lang="en-IN" altLang="en-US" sz="1800"/>
+              <a:t>	The classes that directly inherit the Throwable class except RuntimeException and Error are 	known as checked exceptions. For example, IOException, SQLException, etc. Checked 	exceptions are checked at compile-time.</a:t>
+            </a:r>
+            <a:endParaRPr lang="en-IN" altLang="en-US" sz="1800"/>
+          </a:p>
+          <a:p>
+            <a:pPr marL="0" indent="0">
+              <a:buNone/>
+            </a:pPr>
+            <a:r>
+              <a:rPr lang="en-IN" altLang="en-US" sz="1800" b="1"/>
+              <a:t>Unchecked Exception:</a:t>
+            </a:r>
+            <a:endParaRPr lang="en-IN" altLang="en-US" sz="1800" b="1"/>
+          </a:p>
+          <a:p>
+            <a:pPr marL="0" indent="0">
+              <a:buNone/>
+            </a:pPr>
+            <a:r>
+              <a:rPr lang="en-IN" altLang="en-US" sz="1800"/>
+              <a:t>	The classes that inherit the RuntimeException are known as unchecked exceptions. For example, 	ArithmeticException, NullPointerException, ArrayIndexOutOfBoundsException, etc. Unchecked 	exceptions are not checked at compile-time, but they are checked at runtime.</a:t>
+            </a:r>
+            <a:endParaRPr lang="en-IN" altLang="en-US" sz="1800"/>
+          </a:p>
+          <a:p>
+            <a:pPr marL="0" indent="0">
+              <a:buNone/>
+            </a:pPr>
+            <a:r>
+              <a:rPr lang="en-IN" altLang="en-US" sz="1800" b="1"/>
+              <a:t>Error:</a:t>
+            </a:r>
+            <a:endParaRPr lang="en-IN" altLang="en-US" sz="1800" b="1"/>
+          </a:p>
+          <a:p>
+            <a:pPr marL="0" indent="0">
+              <a:buNone/>
+            </a:pPr>
+            <a:r>
+              <a:rPr lang="en-IN" altLang="en-US" sz="1800"/>
+              <a:t>	Error is irrecoverable. Some example of errors are OutOfMemoryError, VirtualMachineError, 	AssertionError etc.</a:t>
+            </a:r>
+            <a:endParaRPr lang="en-IN" altLang="en-US" sz="1800"/>
+          </a:p>
+        </p:txBody>
+      </p:sp>
+    </p:spTree>
+  </p:cSld>
+  <p:clrMapOvr>
+    <a:masterClrMapping/>
+  </p:clrMapOvr>
+</p:sld>
+</file>
+
+<file path=ppt/slides/slide9.xml><?xml version="1.0" encoding="utf-8"?>
+<p:sld xmlns:a="http://schemas.openxmlformats.org/drawingml/2006/main" xmlns:r="http://schemas.openxmlformats.org/officeDocument/2006/relationships" xmlns:p="http://schemas.openxmlformats.org/presentationml/2006/main">
+  <p:cSld>
+    <p:spTree>
+      <p:nvGrpSpPr>
+        <p:cNvPr id="1" name=""/>
+        <p:cNvGrpSpPr/>
+        <p:nvPr/>
+      </p:nvGrpSpPr>
+      <p:grpSpPr/>
+      <p:sp>
+        <p:nvSpPr>
+          <p:cNvPr id="2" name="Title 1"/>
+          <p:cNvSpPr>
+            <a:spLocks noGrp="1"/>
+          </p:cNvSpPr>
+          <p:nvPr>
+            <p:ph type="title"/>
+          </p:nvPr>
+        </p:nvSpPr>
+        <p:spPr/>
+        <p:txBody>
+          <a:bodyPr/>
+          <a:p>
+            <a:pPr algn="ctr"/>
+            <a:r>
+              <a:rPr lang="en-IN" altLang="en-US">
+                <a:ln w="22225">
+                  <a:solidFill>
+                    <a:schemeClr val="accent2"/>
+                  </a:solidFill>
+                  <a:prstDash val="solid"/>
+                </a:ln>
+                <a:solidFill>
+                  <a:schemeClr val="accent2">
+                    <a:lumMod val="40000"/>
+                    <a:lumOff val="60000"/>
+                  </a:schemeClr>
+                </a:solidFill>
+                <a:effectLst/>
+              </a:rPr>
+              <a:t>Heirarchy of Java Exception classes</a:t>
+            </a:r>
+            <a:endParaRPr lang="en-IN" altLang="en-US">
+              <a:ln w="22225">
+                <a:solidFill>
+                  <a:schemeClr val="accent2"/>
+                </a:solidFill>
+                <a:prstDash val="solid"/>
+              </a:ln>
+              <a:solidFill>
+                <a:schemeClr val="accent2">
+                  <a:lumMod val="40000"/>
+                  <a:lumOff val="60000"/>
+                </a:schemeClr>
+              </a:solidFill>
+              <a:effectLst/>
+            </a:endParaRPr>
+          </a:p>
+        </p:txBody>
+      </p:sp>
+      <p:graphicFrame>
+        <p:nvGraphicFramePr>
+          <p:cNvPr id="4" name="Content Placeholder 3"/>
+          <p:cNvGraphicFramePr>
+            <a:graphicFrameLocks noChangeAspect="1"/>
+          </p:cNvGraphicFramePr>
+          <p:nvPr>
+            <p:ph idx="1"/>
+          </p:nvPr>
+        </p:nvGraphicFramePr>
+        <p:xfrm>
+          <a:off x="2510155" y="1009650"/>
+          <a:ext cx="7307580" cy="5721350"/>
+        </p:xfrm>
+        <a:graphic>
+          <a:graphicData uri="http://schemas.openxmlformats.org/presentationml/2006/ole">
+            <mc:AlternateContent xmlns:mc="http://schemas.openxmlformats.org/markup-compatibility/2006">
+              <mc:Choice xmlns:v="urn:schemas-microsoft-com:vml" Requires="v">
+                <p:oleObj spid="_x0000_s5" name="" r:id="rId1" imgW="4495800" imgH="5172075" progId="Paint.Picture">
+                  <p:embed/>
+                </p:oleObj>
+              </mc:Choice>
+              <mc:Fallback>
+                <p:oleObj name="" r:id="rId1" imgW="4495800" imgH="5172075" progId="Paint.Picture">
+                  <p:embed/>
+                  <p:pic>
+                    <p:nvPicPr>
+                      <p:cNvPr id="0" name="Picture 4"/>
+                      <p:cNvPicPr/>
+                      <p:nvPr/>
+                    </p:nvPicPr>
+                    <p:blipFill>
+                      <a:blip r:embed="rId2"/>
+                      <a:stretch>
+                        <a:fillRect/>
+                      </a:stretch>
+                    </p:blipFill>
+                    <p:spPr>
+                      <a:xfrm>
+                        <a:off x="2510155" y="1009650"/>
+                        <a:ext cx="7307580" cy="5721350"/>
+                      </a:xfrm>
+                      <a:prstGeom prst="rect">
+                        <a:avLst/>
+                      </a:prstGeom>
+                    </p:spPr>
+                  </p:pic>
+                </p:oleObj>
+              </mc:Fallback>
+            </mc:AlternateContent>
+          </a:graphicData>
+        </a:graphic>
+      </p:graphicFrame>
     </p:spTree>
   </p:cSld>
   <p:clrMapOvr>
